--- a/Presentation.pptx
+++ b/Presentation.pptx
@@ -213,7 +213,7 @@
           <a:p>
             <a:fld id="{04356C0B-B993-6E4E-AC49-A202F3102FBC}" type="datetimeFigureOut">
               <a:rPr lang="en-US" smtClean="0"/>
-              <a:t>10/17/16</a:t>
+              <a:t>10/18/16</a:t>
             </a:fld>
             <a:endParaRPr lang="en-US"/>
           </a:p>
@@ -1097,7 +1097,7 @@
           <a:p>
             <a:fld id="{33EEA690-3470-CC4A-8017-E3C86A728328}" type="datetime1">
               <a:rPr lang="en-US" smtClean="0"/>
-              <a:t>10/17/16</a:t>
+              <a:t>10/18/16</a:t>
             </a:fld>
             <a:endParaRPr lang="en-US" dirty="0"/>
           </a:p>
@@ -1379,7 +1379,7 @@
           <a:p>
             <a:fld id="{D5C68CDB-32E0-F949-A309-9A49DDF1A667}" type="datetime1">
               <a:rPr lang="en-US" smtClean="0"/>
-              <a:t>10/17/16</a:t>
+              <a:t>10/18/16</a:t>
             </a:fld>
             <a:endParaRPr lang="en-US" dirty="0"/>
           </a:p>
@@ -1571,7 +1571,7 @@
           <a:p>
             <a:fld id="{16AAD52B-7D3A-204C-B140-F5CC5502643C}" type="datetime1">
               <a:rPr lang="en-US" smtClean="0"/>
-              <a:t>10/17/16</a:t>
+              <a:t>10/18/16</a:t>
             </a:fld>
             <a:endParaRPr lang="en-US" dirty="0"/>
           </a:p>
@@ -1832,7 +1832,7 @@
           <a:p>
             <a:fld id="{6AAE0659-E039-9E46-9C9E-778C3672DB37}" type="datetime1">
               <a:rPr lang="en-US" smtClean="0"/>
-              <a:t>10/17/16</a:t>
+              <a:t>10/18/16</a:t>
             </a:fld>
             <a:endParaRPr lang="en-US" dirty="0"/>
           </a:p>
@@ -2258,7 +2258,7 @@
           <a:p>
             <a:fld id="{E592FB5B-20E9-F340-ABA9-83FC4EF3C7F2}" type="datetime1">
               <a:rPr lang="en-US" smtClean="0"/>
-              <a:t>10/17/16</a:t>
+              <a:t>10/18/16</a:t>
             </a:fld>
             <a:endParaRPr lang="en-US" dirty="0"/>
           </a:p>
@@ -2804,7 +2804,7 @@
           <a:p>
             <a:fld id="{ECA35891-512A-5D44-9017-A5D9C5974B43}" type="datetime1">
               <a:rPr lang="en-US" smtClean="0"/>
-              <a:t>10/17/16</a:t>
+              <a:t>10/18/16</a:t>
             </a:fld>
             <a:endParaRPr lang="en-US" dirty="0"/>
           </a:p>
@@ -3635,7 +3635,7 @@
           <a:p>
             <a:fld id="{2392A408-6861-0C4E-B03E-5918451630B6}" type="datetime1">
               <a:rPr lang="en-US" smtClean="0"/>
-              <a:t>10/17/16</a:t>
+              <a:t>10/18/16</a:t>
             </a:fld>
             <a:endParaRPr lang="en-US" dirty="0"/>
           </a:p>
@@ -3805,7 +3805,7 @@
           <a:p>
             <a:fld id="{3FD7A339-1813-144E-9ADE-A66EB23968D5}" type="datetime1">
               <a:rPr lang="en-US" smtClean="0"/>
-              <a:t>10/17/16</a:t>
+              <a:t>10/18/16</a:t>
             </a:fld>
             <a:endParaRPr lang="en-US" dirty="0"/>
           </a:p>
@@ -3985,7 +3985,7 @@
           <a:p>
             <a:fld id="{4594067E-F6C3-4747-A4A3-E466AB30E211}" type="datetime1">
               <a:rPr lang="en-US" smtClean="0"/>
-              <a:t>10/17/16</a:t>
+              <a:t>10/18/16</a:t>
             </a:fld>
             <a:endParaRPr lang="en-US" dirty="0"/>
           </a:p>
@@ -4155,7 +4155,7 @@
           <a:p>
             <a:fld id="{3DE190F2-738F-8541-829F-903020CC48F4}" type="datetime1">
               <a:rPr lang="en-US" smtClean="0"/>
-              <a:t>10/17/16</a:t>
+              <a:t>10/18/16</a:t>
             </a:fld>
             <a:endParaRPr lang="en-US" dirty="0"/>
           </a:p>
@@ -4412,7 +4412,7 @@
           <a:p>
             <a:fld id="{A84AEC1C-E830-3D41-9DF7-A01E717CD754}" type="datetime1">
               <a:rPr lang="en-US" smtClean="0"/>
-              <a:t>10/17/16</a:t>
+              <a:t>10/18/16</a:t>
             </a:fld>
             <a:endParaRPr lang="en-US" dirty="0"/>
           </a:p>
@@ -4644,7 +4644,7 @@
           <a:p>
             <a:fld id="{CC1E1927-EF1F-4343-92A3-E57B3298BE68}" type="datetime1">
               <a:rPr lang="en-US" smtClean="0"/>
-              <a:t>10/17/16</a:t>
+              <a:t>10/18/16</a:t>
             </a:fld>
             <a:endParaRPr lang="en-US" dirty="0"/>
           </a:p>
@@ -5037,7 +5037,7 @@
           <a:p>
             <a:fld id="{D21E23A3-370A-0641-8EBC-D6D1F10FF6A0}" type="datetime1">
               <a:rPr lang="en-US" smtClean="0"/>
-              <a:t>10/17/16</a:t>
+              <a:t>10/18/16</a:t>
             </a:fld>
             <a:endParaRPr lang="en-US" dirty="0"/>
           </a:p>
@@ -5155,7 +5155,7 @@
           <a:p>
             <a:fld id="{A29F214A-7A02-974B-9999-42B9D1776903}" type="datetime1">
               <a:rPr lang="en-US" smtClean="0"/>
-              <a:t>10/17/16</a:t>
+              <a:t>10/18/16</a:t>
             </a:fld>
             <a:endParaRPr lang="en-US" dirty="0"/>
           </a:p>
@@ -5250,7 +5250,7 @@
           <a:p>
             <a:fld id="{663B3E74-E624-EF41-B654-6D450101C2E8}" type="datetime1">
               <a:rPr lang="en-US" smtClean="0"/>
-              <a:t>10/17/16</a:t>
+              <a:t>10/18/16</a:t>
             </a:fld>
             <a:endParaRPr lang="en-US" dirty="0"/>
           </a:p>
@@ -5523,7 +5523,7 @@
           <a:p>
             <a:fld id="{0C9221EB-0BED-5045-B243-DAF07798174B}" type="datetime1">
               <a:rPr lang="en-US" smtClean="0"/>
-              <a:t>10/17/16</a:t>
+              <a:t>10/18/16</a:t>
             </a:fld>
             <a:endParaRPr lang="en-US" dirty="0"/>
           </a:p>
@@ -5804,7 +5804,7 @@
           <a:p>
             <a:fld id="{D3387125-1327-B948-8C66-F6A95EE42DD1}" type="datetime1">
               <a:rPr lang="en-US" smtClean="0"/>
-              <a:t>10/17/16</a:t>
+              <a:t>10/18/16</a:t>
             </a:fld>
             <a:endParaRPr lang="en-US" dirty="0"/>
           </a:p>
@@ -6044,7 +6044,7 @@
           <a:p>
             <a:fld id="{A9301393-DDBF-2E4B-B933-9721FC801E3E}" type="datetime1">
               <a:rPr lang="en-US" smtClean="0"/>
-              <a:t>10/17/16</a:t>
+              <a:t>10/18/16</a:t>
             </a:fld>
             <a:endParaRPr lang="en-US" dirty="0"/>
           </a:p>
@@ -7843,33 +7843,130 @@
         </p:nvSpPr>
         <p:spPr/>
         <p:txBody>
-          <a:bodyPr/>
-          <a:lstStyle/>
-          <a:p>
-            <a:r>
-              <a:rPr lang="en-US" dirty="0" smtClean="0"/>
+          <a:bodyPr>
+            <a:normAutofit fontScale="92500" lnSpcReduction="10000"/>
+          </a:bodyPr>
+          <a:lstStyle/>
+          <a:p>
+            <a:r>
+              <a:rPr lang="en-US" b="1" dirty="0" smtClean="0"/>
               <a:t>Class’ public API</a:t>
             </a:r>
           </a:p>
           <a:p>
             <a:r>
-              <a:rPr lang="en-US" dirty="0" smtClean="0"/>
-              <a:t>Backwards compatibility</a:t>
-            </a:r>
-          </a:p>
-          <a:p>
-            <a:r>
-              <a:rPr lang="en-US" dirty="0"/>
-              <a:t>http://</a:t>
-            </a:r>
-            <a:r>
-              <a:rPr lang="en-US" dirty="0" err="1"/>
-              <a:t>semver.org</a:t>
-            </a:r>
-            <a:r>
-              <a:rPr lang="en-US" dirty="0"/>
-              <a:t>/</a:t>
-            </a:r>
+              <a:rPr lang="en-US" b="1" dirty="0" smtClean="0"/>
+              <a:t>Backward </a:t>
+            </a:r>
+            <a:r>
+              <a:rPr lang="en-US" b="1" dirty="0"/>
+              <a:t>compatibility</a:t>
+            </a:r>
+            <a:r>
+              <a:rPr lang="en-US" dirty="0"/>
+              <a:t> is a property of a system, product, or technology that allows for </a:t>
+            </a:r>
+            <a:r>
+              <a:rPr lang="en-US" dirty="0">
+                <a:hlinkClick r:id="rId2" tooltip="Interoperability"/>
+              </a:rPr>
+              <a:t>interoperability</a:t>
+            </a:r>
+            <a:r>
+              <a:rPr lang="en-US" dirty="0"/>
+              <a:t> with an older </a:t>
+            </a:r>
+            <a:r>
+              <a:rPr lang="en-US" dirty="0">
+                <a:hlinkClick r:id="rId3" tooltip="Legacy system"/>
+              </a:rPr>
+              <a:t>legacy system</a:t>
+            </a:r>
+            <a:r>
+              <a:rPr lang="en-US" dirty="0"/>
+              <a:t>, or with </a:t>
+            </a:r>
+            <a:r>
+              <a:rPr lang="en-US" dirty="0">
+                <a:hlinkClick r:id="rId4" tooltip="Input/output"/>
+              </a:rPr>
+              <a:t>input</a:t>
+            </a:r>
+            <a:r>
+              <a:rPr lang="en-US" dirty="0"/>
+              <a:t> designed for such a </a:t>
+            </a:r>
+            <a:r>
+              <a:rPr lang="en-US" dirty="0" smtClean="0"/>
+              <a:t>system</a:t>
+            </a:r>
+          </a:p>
+          <a:p>
+            <a:r>
+              <a:rPr lang="en-US" b="1" dirty="0" smtClean="0"/>
+              <a:t>Semantic Versioning - </a:t>
+            </a:r>
+            <a:r>
+              <a:rPr lang="en-US" dirty="0" smtClean="0"/>
+              <a:t>Simple </a:t>
+            </a:r>
+            <a:r>
+              <a:rPr lang="en-US" dirty="0"/>
+              <a:t>set of rules and requirements that dictate how version numbers are assigned and </a:t>
+            </a:r>
+            <a:r>
+              <a:rPr lang="en-US" dirty="0" smtClean="0"/>
+              <a:t>incremented (</a:t>
+            </a:r>
+            <a:r>
+              <a:rPr lang="en-US" dirty="0">
+                <a:hlinkClick r:id="rId5"/>
+              </a:rPr>
+              <a:t>http://semver.org/</a:t>
+            </a:r>
+            <a:r>
+              <a:rPr lang="en-US" dirty="0" smtClean="0"/>
+              <a:t>)</a:t>
+            </a:r>
+          </a:p>
+          <a:p>
+            <a:r>
+              <a:rPr lang="en-US" dirty="0"/>
+              <a:t>Given a version number MAJOR.MINOR.PATCH, increment the:</a:t>
+            </a:r>
+          </a:p>
+          <a:p>
+            <a:pPr marL="514350" indent="-514350">
+              <a:buFont typeface="+mj-lt"/>
+              <a:buAutoNum type="arabicPeriod"/>
+            </a:pPr>
+            <a:r>
+              <a:rPr lang="en-US" dirty="0"/>
+              <a:t>MAJOR version when you make incompatible API changes,</a:t>
+            </a:r>
+          </a:p>
+          <a:p>
+            <a:pPr marL="514350" indent="-514350">
+              <a:buFont typeface="+mj-lt"/>
+              <a:buAutoNum type="arabicPeriod"/>
+            </a:pPr>
+            <a:r>
+              <a:rPr lang="en-US" dirty="0"/>
+              <a:t>MINOR version when you add functionality in a backwards-compatible manner, and</a:t>
+            </a:r>
+          </a:p>
+          <a:p>
+            <a:pPr marL="514350" indent="-514350">
+              <a:buFont typeface="+mj-lt"/>
+              <a:buAutoNum type="arabicPeriod"/>
+            </a:pPr>
+            <a:r>
+              <a:rPr lang="en-US" dirty="0"/>
+              <a:t>PATCH version when you make backwards-compatible bug fixes.</a:t>
+            </a:r>
+          </a:p>
+          <a:p>
+            <a:endParaRPr lang="en-US" dirty="0"/>
           </a:p>
         </p:txBody>
       </p:sp>
@@ -8115,13 +8212,13 @@
           <a:p>
             <a:r>
               <a:rPr lang="en-US" dirty="0" smtClean="0"/>
-              <a:t>One of the most important principles: KISS, for tests as well as for any other code</a:t>
-            </a:r>
-          </a:p>
-          <a:p>
-            <a:r>
-              <a:rPr lang="en-US" dirty="0" smtClean="0"/>
-              <a:t>Makes sense, even if you use TDD</a:t>
+              <a:t>One of the most important principles, in my opinion, is KISS (keep it simple stupid), for tests as well as for any other code</a:t>
+            </a:r>
+          </a:p>
+          <a:p>
+            <a:r>
+              <a:rPr lang="en-US" dirty="0" smtClean="0"/>
+              <a:t>Even if you use TDD</a:t>
             </a:r>
             <a:endParaRPr lang="en-US" dirty="0"/>
           </a:p>
@@ -8223,66 +8320,87 @@
         <p:spPr/>
         <p:txBody>
           <a:bodyPr>
-            <a:normAutofit fontScale="92500" lnSpcReduction="10000"/>
+            <a:normAutofit fontScale="92500" lnSpcReduction="20000"/>
           </a:bodyPr>
           <a:lstStyle/>
           <a:p>
             <a:pPr marL="0" indent="0">
               <a:buNone/>
             </a:pPr>
+            <a:r>
+              <a:rPr lang="en-US" dirty="0" smtClean="0"/>
+              <a:t>I </a:t>
+            </a:r>
+            <a:r>
+              <a:rPr lang="en-US" dirty="0"/>
+              <a:t>agree with Dave Thomas and Andy Hunt, who write in their book "Pragmatic Unit Testing":</a:t>
+            </a:r>
+          </a:p>
+          <a:p>
+            <a:pPr marL="0" indent="0">
+              <a:buNone/>
+            </a:pPr>
+            <a:r>
+              <a:rPr lang="en-US" dirty="0"/>
+              <a:t>"</a:t>
+            </a:r>
+            <a:r>
+              <a:rPr lang="en-US" i="1" dirty="0"/>
+              <a:t>In general, you don't want to break any encapsulation for the sake of testing (or as Mom used to say, "don't expose your privates!"). Most of the time, you should be able to test a class by exercising its public methods. If there is significant functionality that is hidden behind private or protected access, that might be a warning sign that there's another class in there struggling to get out.</a:t>
+            </a:r>
+            <a:r>
+              <a:rPr lang="en-US" dirty="0"/>
+              <a:t>" </a:t>
+            </a:r>
+            <a:endParaRPr lang="en-US" dirty="0" smtClean="0"/>
+          </a:p>
+          <a:p>
+            <a:pPr marL="0" indent="0">
+              <a:buNone/>
+            </a:pPr>
+            <a:r>
+              <a:rPr lang="en-US" dirty="0" smtClean="0"/>
+              <a:t>So</a:t>
+            </a:r>
+            <a:r>
+              <a:rPr lang="en-US" dirty="0"/>
+              <a:t>: Just because the testing of protected and private attributes and methods is possible does not mean that this is a "good thing</a:t>
+            </a:r>
+            <a:r>
+              <a:rPr lang="en-US" dirty="0" smtClean="0"/>
+              <a:t>".</a:t>
+            </a:r>
+          </a:p>
+          <a:p>
+            <a:pPr marL="0" indent="0">
+              <a:buNone/>
+            </a:pPr>
+            <a:r>
+              <a:rPr lang="en-US" dirty="0"/>
+              <a:t>	</a:t>
+            </a:r>
+            <a:r>
+              <a:rPr lang="en-US" dirty="0" smtClean="0"/>
+              <a:t>						Sebastian Bergmann</a:t>
+            </a:r>
+          </a:p>
+          <a:p>
+            <a:pPr marL="0" indent="0">
+              <a:buNone/>
+            </a:pPr>
+            <a:r>
+              <a:rPr lang="en-US" dirty="0" smtClean="0">
+                <a:hlinkClick r:id="rId2"/>
+              </a:rPr>
+              <a:t>https</a:t>
+            </a:r>
             <a:r>
               <a:rPr lang="en-US" dirty="0">
                 <a:hlinkClick r:id="rId2"/>
               </a:rPr>
-              <a:t>https://</a:t>
-            </a:r>
-            <a:r>
-              <a:rPr lang="en-US" dirty="0" smtClean="0">
-                <a:hlinkClick r:id="rId2"/>
-              </a:rPr>
-              <a:t>sebastian-bergmann.de/archives/881-Testing-Your-Privates.html</a:t>
-            </a:r>
-            <a:endParaRPr lang="en-US" dirty="0" smtClean="0"/>
-          </a:p>
-          <a:p>
-            <a:pPr marL="0" indent="0">
-              <a:buNone/>
-            </a:pPr>
-            <a:r>
-              <a:rPr lang="en-US" dirty="0"/>
-              <a:t>I agree with Dave Thomas and Andy Hunt, who write in their book "Pragmatic Unit Testing":</a:t>
-            </a:r>
-          </a:p>
-          <a:p>
-            <a:pPr marL="0" indent="0">
-              <a:buNone/>
-            </a:pPr>
-            <a:r>
-              <a:rPr lang="en-US" dirty="0"/>
-              <a:t>"</a:t>
-            </a:r>
-            <a:r>
-              <a:rPr lang="en-US" i="1" dirty="0"/>
-              <a:t>In general, you don't want to break any encapsulation for the sake of testing (or as Mom used to say, "don't expose your privates!"). Most of the time, you should be able to test a class by exercising its public methods. If there is significant functionality that is hidden behind private or protected access, that might be a warning sign that there's another class in there struggling to get out.</a:t>
-            </a:r>
-            <a:r>
-              <a:rPr lang="en-US" dirty="0"/>
-              <a:t>" </a:t>
-            </a:r>
-            <a:endParaRPr lang="en-US" dirty="0" smtClean="0"/>
-          </a:p>
-          <a:p>
-            <a:pPr marL="0" indent="0">
-              <a:buNone/>
-            </a:pPr>
-            <a:r>
-              <a:rPr lang="en-US" dirty="0" smtClean="0"/>
-              <a:t>So</a:t>
-            </a:r>
-            <a:r>
-              <a:rPr lang="en-US" dirty="0"/>
-              <a:t>: Just because the testing of protected and private attributes and methods is possible does not mean that this is a "good thing".</a:t>
-            </a:r>
+              <a:t>://sebastian-bergmann.de/archives/881-Testing-Your-Privates.html</a:t>
+            </a:r>
+            <a:endParaRPr lang="en-US" dirty="0"/>
           </a:p>
           <a:p>
             <a:pPr marL="0" indent="0">
@@ -8506,7 +8624,7 @@
           <a:p>
             <a:r>
               <a:rPr lang="en-US" dirty="0" smtClean="0"/>
-              <a:t>Reflection is used heavily by frameworks (</a:t>
+              <a:t>Reflection is used heavily by frameworks &amp; libraries(</a:t>
             </a:r>
             <a:r>
               <a:rPr lang="en-US" dirty="0" err="1" smtClean="0"/>
@@ -8514,7 +8632,7 @@
             </a:r>
             <a:r>
               <a:rPr lang="en-US" dirty="0" smtClean="0"/>
-              <a:t> for instance) to access annotations</a:t>
+              <a:t>, or Doctrine for instance) to access annotations</a:t>
             </a:r>
             <a:endParaRPr lang="en-US" dirty="0"/>
           </a:p>
@@ -9510,27 +9628,29 @@
           <a:p>
             <a:r>
               <a:rPr lang="en-US" dirty="0" smtClean="0"/>
-              <a:t>Can’t implement Value objects design pattern without encapsulation</a:t>
-            </a:r>
-          </a:p>
-          <a:p>
-            <a:r>
-              <a:rPr lang="en-US" dirty="0"/>
-              <a:t>https://</a:t>
-            </a:r>
-            <a:r>
-              <a:rPr lang="en-US" dirty="0" err="1"/>
+              <a:t>Can’t implement Value objects design pattern without </a:t>
+            </a:r>
+            <a:r>
+              <a:rPr lang="en-US" dirty="0"/>
+              <a:t>encapsulation (https://</a:t>
+            </a:r>
+            <a:r>
+              <a:rPr lang="en-US" dirty="0" err="1" smtClean="0"/>
               <a:t>en.wikipedia.org</a:t>
             </a:r>
             <a:r>
-              <a:rPr lang="en-US" dirty="0"/>
+              <a:rPr lang="en-US" dirty="0" smtClean="0"/>
               <a:t>/wiki/</a:t>
             </a:r>
             <a:r>
-              <a:rPr lang="en-US" dirty="0" err="1"/>
+              <a:rPr lang="en-US" dirty="0" err="1" smtClean="0"/>
               <a:t>Value_object</a:t>
             </a:r>
-            <a:endParaRPr lang="en-US" dirty="0"/>
+            <a:r>
+              <a:rPr lang="en-US" dirty="0" smtClean="0"/>
+              <a:t>)</a:t>
+            </a:r>
+            <a:endParaRPr lang="en-US" dirty="0" smtClean="0"/>
           </a:p>
         </p:txBody>
       </p:sp>

--- a/Presentation.pptx
+++ b/Presentation.pptx
@@ -8601,7 +8601,15 @@
           <a:p>
             <a:r>
               <a:rPr lang="en-US" dirty="0" smtClean="0"/>
-              <a:t>What else you can use reflection for</a:t>
+              <a:t>What else </a:t>
+            </a:r>
+            <a:r>
+              <a:rPr lang="en-US" dirty="0"/>
+              <a:t>can you use </a:t>
+            </a:r>
+            <a:r>
+              <a:rPr lang="en-US" dirty="0" smtClean="0"/>
+              <a:t>reflection for</a:t>
             </a:r>
             <a:endParaRPr lang="en-US" dirty="0"/>
           </a:p>
@@ -8777,6 +8785,13 @@
   <p:clrMapOvr>
     <a:masterClrMapping/>
   </p:clrMapOvr>
+  <p:timing>
+    <p:tnLst>
+      <p:par>
+        <p:cTn id="1" dur="indefinite" restart="never" nodeType="tmRoot"/>
+      </p:par>
+    </p:tnLst>
+  </p:timing>
 </p:sld>
 </file>
 
@@ -8866,7 +8881,15 @@
           <a:p>
             <a:r>
               <a:rPr lang="en-US" dirty="0" smtClean="0"/>
-              <a:t>Played around with programming for a bit longer</a:t>
+              <a:t>Played around with </a:t>
+            </a:r>
+            <a:r>
+              <a:rPr lang="en-US" dirty="0" smtClean="0"/>
+              <a:t>various programming languages </a:t>
+            </a:r>
+            <a:r>
+              <a:rPr lang="en-US" dirty="0" smtClean="0"/>
+              <a:t>a bit longer</a:t>
             </a:r>
           </a:p>
           <a:p>
@@ -9628,27 +9651,31 @@
           <a:p>
             <a:r>
               <a:rPr lang="en-US" dirty="0" smtClean="0"/>
-              <a:t>Can’t implement Value objects design pattern without </a:t>
-            </a:r>
-            <a:r>
-              <a:rPr lang="en-US" dirty="0"/>
-              <a:t>encapsulation (https://</a:t>
+              <a:t>Various design patterns depend on it </a:t>
+            </a:r>
+            <a:r>
+              <a:rPr lang="en-US" dirty="0"/>
+              <a:t>encapsulation </a:t>
+            </a:r>
+            <a:r>
+              <a:rPr lang="en-US" dirty="0" smtClean="0"/>
+              <a:t>(</a:t>
+            </a:r>
+            <a:r>
+              <a:rPr lang="en-US" dirty="0"/>
+              <a:t>Value </a:t>
+            </a:r>
+            <a:r>
+              <a:rPr lang="en-US" dirty="0" smtClean="0"/>
+              <a:t>object, DTO, </a:t>
             </a:r>
             <a:r>
               <a:rPr lang="en-US" dirty="0" err="1" smtClean="0"/>
-              <a:t>en.wikipedia.org</a:t>
-            </a:r>
-            <a:r>
-              <a:rPr lang="en-US" dirty="0" smtClean="0"/>
-              <a:t>/wiki/</a:t>
-            </a:r>
-            <a:r>
-              <a:rPr lang="en-US" dirty="0" err="1" smtClean="0"/>
-              <a:t>Value_object</a:t>
-            </a:r>
-            <a:r>
-              <a:rPr lang="en-US" dirty="0" smtClean="0"/>
-              <a:t>)</a:t>
+              <a:t>SIngleton</a:t>
+            </a:r>
+            <a:r>
+              <a:rPr lang="en-US" dirty="0" smtClean="0"/>
+              <a:t> etc.)</a:t>
             </a:r>
             <a:endParaRPr lang="en-US" dirty="0" smtClean="0"/>
           </a:p>
